--- a/正式赛/论文/code&pic/轮伐图.pptx
+++ b/正式赛/论文/code&pic/轮伐图.pptx
@@ -6,6 +6,7 @@
   </p:sldMasterIdLst>
   <p:sldIdLst>
     <p:sldId id="256" r:id="rId2"/>
+    <p:sldId id="257" r:id="rId3"/>
   </p:sldIdLst>
   <p:sldSz cx="12192000" cy="6858000"/>
   <p:notesSz cx="6858000" cy="9144000"/>
@@ -104,6 +105,11 @@
       </a:defRPr>
     </a:lvl9pPr>
   </p:defaultTextStyle>
+  <p:extLst>
+    <p:ext uri="{EFAFB233-063F-42B5-8137-9DF3F51BA10A}">
+      <p15:sldGuideLst xmlns:p15="http://schemas.microsoft.com/office/powerpoint/2012/main"/>
+    </p:ext>
+  </p:extLst>
 </p:presentation>
 </file>
 
@@ -3454,6 +3460,229 @@
 </p:sld>
 </file>
 
+<file path=ppt/slides/slide2.xml><?xml version="1.0" encoding="utf-8"?>
+<p:sld xmlns:a="http://schemas.openxmlformats.org/drawingml/2006/main" xmlns:r="http://schemas.openxmlformats.org/officeDocument/2006/relationships" xmlns:p="http://schemas.openxmlformats.org/presentationml/2006/main">
+  <p:cSld>
+    <p:spTree>
+      <p:nvGrpSpPr>
+        <p:cNvPr id="1" name=""/>
+        <p:cNvGrpSpPr/>
+        <p:nvPr/>
+      </p:nvGrpSpPr>
+      <p:grpSpPr>
+        <a:xfrm>
+          <a:off x="0" y="0"/>
+          <a:ext cx="0" cy="0"/>
+          <a:chOff x="0" y="0"/>
+          <a:chExt cx="0" cy="0"/>
+        </a:xfrm>
+      </p:grpSpPr>
+      <p:grpSp>
+        <p:nvGrpSpPr>
+          <p:cNvPr id="13" name="组合 12">
+            <a:extLst>
+              <a:ext uri="{FF2B5EF4-FFF2-40B4-BE49-F238E27FC236}">
+                <a16:creationId xmlns:a16="http://schemas.microsoft.com/office/drawing/2014/main" id="{051D3D3A-184B-42F3-B43A-7B072A473DE4}"/>
+              </a:ext>
+            </a:extLst>
+          </p:cNvPr>
+          <p:cNvGrpSpPr/>
+          <p:nvPr/>
+        </p:nvGrpSpPr>
+        <p:grpSpPr>
+          <a:xfrm>
+            <a:off x="1270963" y="394864"/>
+            <a:ext cx="8945223" cy="6068272"/>
+            <a:chOff x="1623388" y="394864"/>
+            <a:chExt cx="8945223" cy="6068272"/>
+          </a:xfrm>
+        </p:grpSpPr>
+        <p:pic>
+          <p:nvPicPr>
+            <p:cNvPr id="5" name="图片 4">
+              <a:extLst>
+                <a:ext uri="{FF2B5EF4-FFF2-40B4-BE49-F238E27FC236}">
+                  <a16:creationId xmlns:a16="http://schemas.microsoft.com/office/drawing/2014/main" id="{7759859B-8BA8-4206-A9E8-76041316BC19}"/>
+                </a:ext>
+              </a:extLst>
+            </p:cNvPr>
+            <p:cNvPicPr>
+              <a:picLocks noChangeAspect="1"/>
+            </p:cNvPicPr>
+            <p:nvPr/>
+          </p:nvPicPr>
+          <p:blipFill>
+            <a:blip r:embed="rId2">
+              <a:extLst>
+                <a:ext uri="{28A0092B-C50C-407E-A947-70E740481C1C}">
+                  <a14:useLocalDpi xmlns:a14="http://schemas.microsoft.com/office/drawing/2010/main" val="0"/>
+                </a:ext>
+              </a:extLst>
+            </a:blip>
+            <a:stretch>
+              <a:fillRect/>
+            </a:stretch>
+          </p:blipFill>
+          <p:spPr>
+            <a:xfrm>
+              <a:off x="1623388" y="394864"/>
+              <a:ext cx="8945223" cy="6068272"/>
+            </a:xfrm>
+            <a:prstGeom prst="rect">
+              <a:avLst/>
+            </a:prstGeom>
+          </p:spPr>
+        </p:pic>
+        <p:sp>
+          <p:nvSpPr>
+            <p:cNvPr id="11" name="文本框 10">
+              <a:extLst>
+                <a:ext uri="{FF2B5EF4-FFF2-40B4-BE49-F238E27FC236}">
+                  <a16:creationId xmlns:a16="http://schemas.microsoft.com/office/drawing/2014/main" id="{DEBBA148-C6FF-4B42-A0FA-7F3CCCE8EBAA}"/>
+                </a:ext>
+              </a:extLst>
+            </p:cNvPr>
+            <p:cNvSpPr txBox="1"/>
+            <p:nvPr/>
+          </p:nvSpPr>
+          <p:spPr>
+            <a:xfrm>
+              <a:off x="2109770" y="1371242"/>
+              <a:ext cx="3638550" cy="369332"/>
+            </a:xfrm>
+            <a:prstGeom prst="rect">
+              <a:avLst/>
+            </a:prstGeom>
+            <a:solidFill>
+              <a:schemeClr val="bg1"/>
+            </a:solidFill>
+          </p:spPr>
+          <p:txBody>
+            <a:bodyPr wrap="square" rtlCol="0">
+              <a:spAutoFit/>
+            </a:bodyPr>
+            <a:lstStyle/>
+            <a:p>
+              <a:endParaRPr lang="zh-CN" altLang="en-US" dirty="0">
+                <a:solidFill>
+                  <a:schemeClr val="bg1"/>
+                </a:solidFill>
+              </a:endParaRPr>
+            </a:p>
+          </p:txBody>
+        </p:sp>
+        <p:sp>
+          <p:nvSpPr>
+            <p:cNvPr id="12" name="文本框 11">
+              <a:extLst>
+                <a:ext uri="{FF2B5EF4-FFF2-40B4-BE49-F238E27FC236}">
+                  <a16:creationId xmlns:a16="http://schemas.microsoft.com/office/drawing/2014/main" id="{093B4062-52BB-4C24-81D9-4C1D18DB6394}"/>
+                </a:ext>
+              </a:extLst>
+            </p:cNvPr>
+            <p:cNvSpPr txBox="1"/>
+            <p:nvPr/>
+          </p:nvSpPr>
+          <p:spPr>
+            <a:xfrm>
+              <a:off x="2076432" y="1030630"/>
+              <a:ext cx="3638550" cy="369332"/>
+            </a:xfrm>
+            <a:prstGeom prst="rect">
+              <a:avLst/>
+            </a:prstGeom>
+            <a:solidFill>
+              <a:schemeClr val="bg1"/>
+            </a:solidFill>
+          </p:spPr>
+          <p:txBody>
+            <a:bodyPr wrap="square" rtlCol="0">
+              <a:spAutoFit/>
+            </a:bodyPr>
+            <a:lstStyle/>
+            <a:p>
+              <a:endParaRPr lang="zh-CN" altLang="en-US" dirty="0">
+                <a:solidFill>
+                  <a:schemeClr val="bg1"/>
+                </a:solidFill>
+              </a:endParaRPr>
+            </a:p>
+          </p:txBody>
+        </p:sp>
+        <p:pic>
+          <p:nvPicPr>
+            <p:cNvPr id="9" name="图片 8">
+              <a:extLst>
+                <a:ext uri="{FF2B5EF4-FFF2-40B4-BE49-F238E27FC236}">
+                  <a16:creationId xmlns:a16="http://schemas.microsoft.com/office/drawing/2014/main" id="{CFAAA3EE-379A-45CC-81F7-B3F042C86F1D}"/>
+                </a:ext>
+              </a:extLst>
+            </p:cNvPr>
+            <p:cNvPicPr>
+              <a:picLocks noChangeAspect="1"/>
+            </p:cNvPicPr>
+            <p:nvPr/>
+          </p:nvPicPr>
+          <p:blipFill>
+            <a:blip r:embed="rId3"/>
+            <a:stretch>
+              <a:fillRect/>
+            </a:stretch>
+          </p:blipFill>
+          <p:spPr>
+            <a:xfrm>
+              <a:off x="2102626" y="1366332"/>
+              <a:ext cx="2447943" cy="400053"/>
+            </a:xfrm>
+            <a:prstGeom prst="rect">
+              <a:avLst/>
+            </a:prstGeom>
+          </p:spPr>
+        </p:pic>
+        <p:pic>
+          <p:nvPicPr>
+            <p:cNvPr id="7" name="图片 6">
+              <a:extLst>
+                <a:ext uri="{FF2B5EF4-FFF2-40B4-BE49-F238E27FC236}">
+                  <a16:creationId xmlns:a16="http://schemas.microsoft.com/office/drawing/2014/main" id="{6D338463-B810-4041-9137-1A8C078482BC}"/>
+                </a:ext>
+              </a:extLst>
+            </p:cNvPr>
+            <p:cNvPicPr>
+              <a:picLocks noChangeAspect="1"/>
+            </p:cNvPicPr>
+            <p:nvPr/>
+          </p:nvPicPr>
+          <p:blipFill>
+            <a:blip r:embed="rId4"/>
+            <a:stretch>
+              <a:fillRect/>
+            </a:stretch>
+          </p:blipFill>
+          <p:spPr>
+            <a:xfrm>
+              <a:off x="2066906" y="1071351"/>
+              <a:ext cx="3681439" cy="366715"/>
+            </a:xfrm>
+            <a:prstGeom prst="rect">
+              <a:avLst/>
+            </a:prstGeom>
+          </p:spPr>
+        </p:pic>
+      </p:grpSp>
+    </p:spTree>
+    <p:extLst>
+      <p:ext uri="{BB962C8B-B14F-4D97-AF65-F5344CB8AC3E}">
+        <p14:creationId xmlns:p14="http://schemas.microsoft.com/office/powerpoint/2010/main" val="3424536884"/>
+      </p:ext>
+    </p:extLst>
+  </p:cSld>
+  <p:clrMapOvr>
+    <a:masterClrMapping/>
+  </p:clrMapOvr>
+</p:sld>
+</file>
+
 <file path=ppt/theme/theme1.xml><?xml version="1.0" encoding="utf-8"?>
 <a:theme xmlns:a="http://schemas.openxmlformats.org/drawingml/2006/main" name="Office 主题​​">
   <a:themeElements>
